--- a/第一讲—Git简易教程.pptx
+++ b/第一讲—Git简易教程.pptx
@@ -279,7 +279,7 @@
           <a:p>
             <a:fld id="{99257999-372D-47EC-9049-E951CDBBFA21}" type="datetimeFigureOut">
               <a:rPr lang="zh-CN" altLang="en-US" smtClean="0"/>
-              <a:t>2015/9/26</a:t>
+              <a:t>2015/9/30</a:t>
             </a:fld>
             <a:endParaRPr lang="zh-CN" altLang="en-US"/>
           </a:p>
@@ -940,7 +940,7 @@
               <a:pPr>
                 <a:defRPr/>
               </a:pPr>
-              <a:t>2015/9/26</a:t>
+              <a:t>2015/9/30</a:t>
             </a:fld>
             <a:endParaRPr lang="zh-CN" altLang="zh-CN" sz="1800">
               <a:solidFill>
@@ -1147,7 +1147,7 @@
               <a:pPr>
                 <a:defRPr/>
               </a:pPr>
-              <a:t>2015/9/26</a:t>
+              <a:t>2015/9/30</a:t>
             </a:fld>
             <a:endParaRPr lang="zh-CN" altLang="zh-CN" sz="1800">
               <a:solidFill>
@@ -1364,7 +1364,7 @@
               <a:pPr>
                 <a:defRPr/>
               </a:pPr>
-              <a:t>2015/9/26</a:t>
+              <a:t>2015/9/30</a:t>
             </a:fld>
             <a:endParaRPr lang="zh-CN" altLang="zh-CN" sz="1800">
               <a:solidFill>
@@ -3422,7 +3422,7 @@
               <a:pPr>
                 <a:defRPr/>
               </a:pPr>
-              <a:t>2015/9/26</a:t>
+              <a:t>2015/9/30</a:t>
             </a:fld>
             <a:endParaRPr lang="zh-CN" altLang="zh-CN" sz="1800">
               <a:solidFill>
@@ -4333,7 +4333,7 @@
               <a:pPr>
                 <a:defRPr/>
               </a:pPr>
-              <a:t>2015/9/26</a:t>
+              <a:t>2015/9/30</a:t>
             </a:fld>
             <a:endParaRPr lang="zh-CN" altLang="zh-CN" sz="1800">
               <a:solidFill>
@@ -4602,7 +4602,7 @@
               <a:pPr>
                 <a:defRPr/>
               </a:pPr>
-              <a:t>2015/9/26</a:t>
+              <a:t>2015/9/30</a:t>
             </a:fld>
             <a:endParaRPr lang="zh-CN" altLang="zh-CN" sz="1800">
               <a:solidFill>
@@ -5006,7 +5006,7 @@
               <a:pPr>
                 <a:defRPr/>
               </a:pPr>
-              <a:t>2015/9/26</a:t>
+              <a:t>2015/9/30</a:t>
             </a:fld>
             <a:endParaRPr lang="zh-CN" altLang="zh-CN" sz="1800">
               <a:solidFill>
@@ -5161,7 +5161,7 @@
               <a:pPr>
                 <a:defRPr/>
               </a:pPr>
-              <a:t>2015/9/26</a:t>
+              <a:t>2015/9/30</a:t>
             </a:fld>
             <a:endParaRPr lang="zh-CN" altLang="zh-CN" sz="1800">
               <a:solidFill>
@@ -5293,7 +5293,7 @@
               <a:pPr>
                 <a:defRPr/>
               </a:pPr>
-              <a:t>2015/9/26</a:t>
+              <a:t>2015/9/30</a:t>
             </a:fld>
             <a:endParaRPr lang="zh-CN" altLang="zh-CN" sz="1800">
               <a:solidFill>
@@ -5607,7 +5607,7 @@
               <a:pPr>
                 <a:defRPr/>
               </a:pPr>
-              <a:t>2015/9/26</a:t>
+              <a:t>2015/9/30</a:t>
             </a:fld>
             <a:endParaRPr lang="zh-CN" altLang="zh-CN" sz="1800">
               <a:solidFill>
@@ -5900,7 +5900,7 @@
               <a:pPr>
                 <a:defRPr/>
               </a:pPr>
-              <a:t>2015/9/26</a:t>
+              <a:t>2015/9/30</a:t>
             </a:fld>
             <a:endParaRPr lang="zh-CN" altLang="zh-CN" sz="1800">
               <a:solidFill>
@@ -6240,7 +6240,7 @@
               <a:pPr>
                 <a:defRPr/>
               </a:pPr>
-              <a:t>2015/9/26</a:t>
+              <a:t>2015/9/30</a:t>
             </a:fld>
             <a:endParaRPr lang="zh-CN" altLang="zh-CN" sz="1800">
               <a:solidFill>
@@ -7763,6 +7763,17 @@
               </a:lnSpc>
             </a:pPr>
             <a:r>
+              <a:rPr lang="zh-CN" altLang="en-US" sz="4100" b="1" smtClean="0">
+                <a:solidFill>
+                  <a:schemeClr val="bg1"/>
+                </a:solidFill>
+                <a:latin typeface="微软雅黑" panose="020B0503020204020204" pitchFamily="34" charset="-122"/>
+                <a:ea typeface="微软雅黑" panose="020B0503020204020204" pitchFamily="34" charset="-122"/>
+                <a:sym typeface="나눔고딕" pitchFamily="2" charset="-127"/>
+              </a:rPr>
+              <a:t>修改以测试</a:t>
+            </a:r>
+            <a:r>
               <a:rPr lang="en-US" altLang="zh-CN" sz="4100" b="1" smtClean="0">
                 <a:solidFill>
                   <a:schemeClr val="bg1"/>
@@ -7773,8 +7784,19 @@
               </a:rPr>
               <a:t>GitHub</a:t>
             </a:r>
+            <a:r>
+              <a:rPr lang="en-US" altLang="zh-CN" sz="4100" b="1" dirty="0" smtClean="0">
+                <a:solidFill>
+                  <a:schemeClr val="bg1"/>
+                </a:solidFill>
+                <a:latin typeface="微软雅黑" panose="020B0503020204020204" pitchFamily="34" charset="-122"/>
+                <a:ea typeface="微软雅黑" panose="020B0503020204020204" pitchFamily="34" charset="-122"/>
+                <a:sym typeface="나눔고딕" pitchFamily="2" charset="-127"/>
+              </a:rPr>
+              <a:t/>
+            </a:r>
             <a:br>
-              <a:rPr lang="en-US" altLang="zh-CN" sz="4100" b="1" smtClean="0">
+              <a:rPr lang="en-US" altLang="zh-CN" sz="4100" b="1" dirty="0" smtClean="0">
                 <a:solidFill>
                   <a:schemeClr val="bg1"/>
                 </a:solidFill>
@@ -7784,7 +7806,7 @@
               </a:rPr>
             </a:br>
             <a:r>
-              <a:rPr lang="zh-CN" altLang="en-US" sz="4100" b="1" smtClean="0">
+              <a:rPr lang="zh-CN" altLang="en-US" sz="4100" b="1" dirty="0" smtClean="0">
                 <a:solidFill>
                   <a:schemeClr val="bg1"/>
                 </a:solidFill>
@@ -10247,10 +10269,6 @@
               </a:rPr>
               <a:t>版本控制</a:t>
             </a:r>
-            <a:endParaRPr lang="zh-CN" altLang="en-US" sz="2400" b="1" dirty="0">
-              <a:latin typeface="微软雅黑" panose="020B0503020204020204" pitchFamily="34" charset="-122"/>
-              <a:ea typeface="微软雅黑" panose="020B0503020204020204" pitchFamily="34" charset="-122"/>
-            </a:endParaRPr>
           </a:p>
         </p:txBody>
       </p:sp>
